--- a/AIM-5001/Yihang Sun final project.pptx
+++ b/AIM-5001/Yihang Sun final project.pptx
@@ -16,7 +16,8 @@
     <p:sldId id="264" r:id="rId10"/>
     <p:sldId id="265" r:id="rId11"/>
     <p:sldId id="266" r:id="rId12"/>
-    <p:sldId id="267" r:id="rId13"/>
+    <p:sldId id="268" r:id="rId13"/>
+    <p:sldId id="267" r:id="rId14"/>
   </p:sldIdLst>
   <p:sldSz cx="12192000" cy="6858000"/>
   <p:notesSz cx="6858000" cy="9144000"/>
@@ -115,6 +116,11 @@
       </a:defRPr>
     </a:lvl9pPr>
   </p:defaultTextStyle>
+  <p:extLst>
+    <p:ext uri="{EFAFB233-063F-42B5-8137-9DF3F51BA10A}">
+      <p15:sldGuideLst xmlns:p15="http://schemas.microsoft.com/office/powerpoint/2012/main"/>
+    </p:ext>
+  </p:extLst>
 </p:presentation>
 </file>
 
@@ -6064,6 +6070,13 @@
   <p:clrMapOvr>
     <a:masterClrMapping/>
   </p:clrMapOvr>
+  <p:timing>
+    <p:tnLst>
+      <p:par>
+        <p:cTn id="1" dur="indefinite" restart="never" nodeType="tmRoot"/>
+      </p:par>
+    </p:tnLst>
+  </p:timing>
 </p:sld>
 </file>
 
@@ -6167,6 +6180,13 @@
   <p:clrMapOvr>
     <a:masterClrMapping/>
   </p:clrMapOvr>
+  <p:timing>
+    <p:tnLst>
+      <p:par>
+        <p:cTn id="1" dur="indefinite" restart="never" nodeType="tmRoot"/>
+      </p:par>
+    </p:tnLst>
+  </p:timing>
 </p:sld>
 </file>
 
@@ -6228,8 +6248,8 @@
         </p:blipFill>
         <p:spPr>
           <a:xfrm>
-            <a:off x="362658" y="2416772"/>
-            <a:ext cx="4371084" cy="2802490"/>
+            <a:off x="258749" y="1091045"/>
+            <a:ext cx="4371084" cy="4082055"/>
           </a:xfrm>
           <a:prstGeom prst="rect">
             <a:avLst/>
@@ -6252,8 +6272,8 @@
         </p:blipFill>
         <p:spPr>
           <a:xfrm>
-            <a:off x="4808170" y="2416772"/>
-            <a:ext cx="5124677" cy="2756328"/>
+            <a:off x="4808170" y="924791"/>
+            <a:ext cx="5124677" cy="4248309"/>
           </a:xfrm>
           <a:prstGeom prst="rect">
             <a:avLst/>
@@ -6294,6 +6314,13 @@
   <p:clrMapOvr>
     <a:masterClrMapping/>
   </p:clrMapOvr>
+  <p:timing>
+    <p:tnLst>
+      <p:par>
+        <p:cTn id="1" dur="indefinite" restart="never" nodeType="tmRoot"/>
+      </p:par>
+    </p:tnLst>
+  </p:timing>
 </p:sld>
 </file>
 
@@ -6330,6 +6357,125 @@
           <a:lstStyle/>
           <a:p>
             <a:r>
+              <a:rPr lang="en-US" altLang="zh-CN" dirty="0" smtClean="0"/>
+              <a:t>Florida:3051.6020910978264</a:t>
+            </a:r>
+            <a:r>
+              <a:rPr lang="en-US" altLang="zh-CN" dirty="0"/>
+              <a:t/>
+            </a:r>
+            <a:br>
+              <a:rPr lang="en-US" altLang="zh-CN" dirty="0"/>
+            </a:br>
+            <a:r>
+              <a:rPr lang="en-US" altLang="zh-CN" dirty="0"/>
+              <a:t>Ohio:1151.0979815766111</a:t>
+            </a:r>
+            <a:endParaRPr lang="zh-CN" altLang="en-US" dirty="0"/>
+          </a:p>
+        </p:txBody>
+      </p:sp>
+      <p:pic>
+        <p:nvPicPr>
+          <p:cNvPr id="5" name="图片 4"/>
+          <p:cNvPicPr>
+            <a:picLocks noChangeAspect="1"/>
+          </p:cNvPicPr>
+          <p:nvPr/>
+        </p:nvPicPr>
+        <p:blipFill>
+          <a:blip r:embed="rId2"/>
+          <a:stretch>
+            <a:fillRect/>
+          </a:stretch>
+        </p:blipFill>
+        <p:spPr>
+          <a:xfrm>
+            <a:off x="1185465" y="3533757"/>
+            <a:ext cx="8326012" cy="247685"/>
+          </a:xfrm>
+          <a:prstGeom prst="rect">
+            <a:avLst/>
+          </a:prstGeom>
+        </p:spPr>
+      </p:pic>
+      <p:pic>
+        <p:nvPicPr>
+          <p:cNvPr id="6" name="图片 5"/>
+          <p:cNvPicPr>
+            <a:picLocks noChangeAspect="1"/>
+          </p:cNvPicPr>
+          <p:nvPr/>
+        </p:nvPicPr>
+        <p:blipFill>
+          <a:blip r:embed="rId3"/>
+          <a:stretch>
+            <a:fillRect/>
+          </a:stretch>
+        </p:blipFill>
+        <p:spPr>
+          <a:xfrm>
+            <a:off x="1299781" y="3781442"/>
+            <a:ext cx="8116433" cy="200053"/>
+          </a:xfrm>
+          <a:prstGeom prst="rect">
+            <a:avLst/>
+          </a:prstGeom>
+        </p:spPr>
+      </p:pic>
+    </p:spTree>
+    <p:extLst>
+      <p:ext uri="{BB962C8B-B14F-4D97-AF65-F5344CB8AC3E}">
+        <p14:creationId xmlns:p14="http://schemas.microsoft.com/office/powerpoint/2010/main" val="768301252"/>
+      </p:ext>
+    </p:extLst>
+  </p:cSld>
+  <p:clrMapOvr>
+    <a:masterClrMapping/>
+  </p:clrMapOvr>
+  <p:timing>
+    <p:tnLst>
+      <p:par>
+        <p:cTn id="1" dur="indefinite" restart="never" nodeType="tmRoot"/>
+      </p:par>
+    </p:tnLst>
+  </p:timing>
+</p:sld>
+</file>
+
+<file path=ppt/slides/slide13.xml><?xml version="1.0" encoding="utf-8"?>
+<p:sld xmlns:a="http://schemas.openxmlformats.org/drawingml/2006/main" xmlns:r="http://schemas.openxmlformats.org/officeDocument/2006/relationships" xmlns:p="http://schemas.openxmlformats.org/presentationml/2006/main">
+  <p:cSld>
+    <p:spTree>
+      <p:nvGrpSpPr>
+        <p:cNvPr id="1" name=""/>
+        <p:cNvGrpSpPr/>
+        <p:nvPr/>
+      </p:nvGrpSpPr>
+      <p:grpSpPr>
+        <a:xfrm>
+          <a:off x="0" y="0"/>
+          <a:ext cx="0" cy="0"/>
+          <a:chOff x="0" y="0"/>
+          <a:chExt cx="0" cy="0"/>
+        </a:xfrm>
+      </p:grpSpPr>
+      <p:sp>
+        <p:nvSpPr>
+          <p:cNvPr id="2" name="标题 1"/>
+          <p:cNvSpPr>
+            <a:spLocks noGrp="1"/>
+          </p:cNvSpPr>
+          <p:nvPr>
+            <p:ph type="title"/>
+          </p:nvPr>
+        </p:nvSpPr>
+        <p:spPr/>
+        <p:txBody>
+          <a:bodyPr/>
+          <a:lstStyle/>
+          <a:p>
+            <a:r>
               <a:rPr lang="en-US" altLang="zh-CN" dirty="0"/>
               <a:t>conclusions</a:t>
             </a:r>
@@ -6382,6 +6528,13 @@
   <p:clrMapOvr>
     <a:masterClrMapping/>
   </p:clrMapOvr>
+  <p:timing>
+    <p:tnLst>
+      <p:par>
+        <p:cTn id="1" dur="indefinite" restart="never" nodeType="tmRoot"/>
+      </p:par>
+    </p:tnLst>
+  </p:timing>
 </p:sld>
 </file>
 
@@ -6464,6 +6617,13 @@
   <p:clrMapOvr>
     <a:masterClrMapping/>
   </p:clrMapOvr>
+  <p:timing>
+    <p:tnLst>
+      <p:par>
+        <p:cTn id="1" dur="indefinite" restart="never" nodeType="tmRoot"/>
+      </p:par>
+    </p:tnLst>
+  </p:timing>
 </p:sld>
 </file>
 
@@ -6565,6 +6725,13 @@
   <p:clrMapOvr>
     <a:masterClrMapping/>
   </p:clrMapOvr>
+  <p:timing>
+    <p:tnLst>
+      <p:par>
+        <p:cTn id="1" dur="indefinite" restart="never" nodeType="tmRoot"/>
+      </p:par>
+    </p:tnLst>
+  </p:timing>
 </p:sld>
 </file>
 
@@ -6644,6 +6811,13 @@
   <p:clrMapOvr>
     <a:masterClrMapping/>
   </p:clrMapOvr>
+  <p:timing>
+    <p:tnLst>
+      <p:par>
+        <p:cTn id="1" dur="indefinite" restart="never" nodeType="tmRoot"/>
+      </p:par>
+    </p:tnLst>
+  </p:timing>
 </p:sld>
 </file>
 
@@ -6737,6 +6911,13 @@
   <p:clrMapOvr>
     <a:masterClrMapping/>
   </p:clrMapOvr>
+  <p:timing>
+    <p:tnLst>
+      <p:par>
+        <p:cTn id="1" dur="indefinite" restart="never" nodeType="tmRoot"/>
+      </p:par>
+    </p:tnLst>
+  </p:timing>
 </p:sld>
 </file>
 
@@ -6816,6 +6997,13 @@
   <p:clrMapOvr>
     <a:masterClrMapping/>
   </p:clrMapOvr>
+  <p:timing>
+    <p:tnLst>
+      <p:par>
+        <p:cTn id="1" dur="indefinite" restart="never" nodeType="tmRoot"/>
+      </p:par>
+    </p:tnLst>
+  </p:timing>
 </p:sld>
 </file>
 
@@ -6899,6 +7087,13 @@
   <p:clrMapOvr>
     <a:masterClrMapping/>
   </p:clrMapOvr>
+  <p:timing>
+    <p:tnLst>
+      <p:par>
+        <p:cTn id="1" dur="indefinite" restart="never" nodeType="tmRoot"/>
+      </p:par>
+    </p:tnLst>
+  </p:timing>
 </p:sld>
 </file>
 
@@ -7002,6 +7197,13 @@
   <p:clrMapOvr>
     <a:masterClrMapping/>
   </p:clrMapOvr>
+  <p:timing>
+    <p:tnLst>
+      <p:par>
+        <p:cTn id="1" dur="indefinite" restart="never" nodeType="tmRoot"/>
+      </p:par>
+    </p:tnLst>
+  </p:timing>
 </p:sld>
 </file>
 
@@ -7116,6 +7318,13 @@
   <p:clrMapOvr>
     <a:masterClrMapping/>
   </p:clrMapOvr>
+  <p:timing>
+    <p:tnLst>
+      <p:par>
+        <p:cTn id="1" dur="indefinite" restart="never" nodeType="tmRoot"/>
+      </p:par>
+    </p:tnLst>
+  </p:timing>
 </p:sld>
 </file>
 
